--- a/싸이파이를 이용한 인터폴레이션.pptx
+++ b/싸이파이를 이용한 인터폴레이션.pptx
@@ -260,7 +260,7 @@
           <a:p>
             <a:fld id="{5B3AD1D6-AE87-C841-B3FD-7C9F7FCAE5AE}" type="datetimeFigureOut">
               <a:rPr lang="en-US" smtClean="0"/>
-              <a:t>12/4/19</a:t>
+              <a:t>12/5/19</a:t>
             </a:fld>
             <a:endParaRPr lang="en-US"/>
           </a:p>
@@ -430,7 +430,7 @@
           <a:p>
             <a:fld id="{5B3AD1D6-AE87-C841-B3FD-7C9F7FCAE5AE}" type="datetimeFigureOut">
               <a:rPr lang="en-US" smtClean="0"/>
-              <a:t>12/4/19</a:t>
+              <a:t>12/5/19</a:t>
             </a:fld>
             <a:endParaRPr lang="en-US"/>
           </a:p>
@@ -610,7 +610,7 @@
           <a:p>
             <a:fld id="{5B3AD1D6-AE87-C841-B3FD-7C9F7FCAE5AE}" type="datetimeFigureOut">
               <a:rPr lang="en-US" smtClean="0"/>
-              <a:t>12/4/19</a:t>
+              <a:t>12/5/19</a:t>
             </a:fld>
             <a:endParaRPr lang="en-US"/>
           </a:p>
@@ -780,7 +780,7 @@
           <a:p>
             <a:fld id="{5B3AD1D6-AE87-C841-B3FD-7C9F7FCAE5AE}" type="datetimeFigureOut">
               <a:rPr lang="en-US" smtClean="0"/>
-              <a:t>12/4/19</a:t>
+              <a:t>12/5/19</a:t>
             </a:fld>
             <a:endParaRPr lang="en-US"/>
           </a:p>
@@ -1026,7 +1026,7 @@
           <a:p>
             <a:fld id="{5B3AD1D6-AE87-C841-B3FD-7C9F7FCAE5AE}" type="datetimeFigureOut">
               <a:rPr lang="en-US" smtClean="0"/>
-              <a:t>12/4/19</a:t>
+              <a:t>12/5/19</a:t>
             </a:fld>
             <a:endParaRPr lang="en-US"/>
           </a:p>
@@ -1258,7 +1258,7 @@
           <a:p>
             <a:fld id="{5B3AD1D6-AE87-C841-B3FD-7C9F7FCAE5AE}" type="datetimeFigureOut">
               <a:rPr lang="en-US" smtClean="0"/>
-              <a:t>12/4/19</a:t>
+              <a:t>12/5/19</a:t>
             </a:fld>
             <a:endParaRPr lang="en-US"/>
           </a:p>
@@ -1625,7 +1625,7 @@
           <a:p>
             <a:fld id="{5B3AD1D6-AE87-C841-B3FD-7C9F7FCAE5AE}" type="datetimeFigureOut">
               <a:rPr lang="en-US" smtClean="0"/>
-              <a:t>12/4/19</a:t>
+              <a:t>12/5/19</a:t>
             </a:fld>
             <a:endParaRPr lang="en-US"/>
           </a:p>
@@ -1743,7 +1743,7 @@
           <a:p>
             <a:fld id="{5B3AD1D6-AE87-C841-B3FD-7C9F7FCAE5AE}" type="datetimeFigureOut">
               <a:rPr lang="en-US" smtClean="0"/>
-              <a:t>12/4/19</a:t>
+              <a:t>12/5/19</a:t>
             </a:fld>
             <a:endParaRPr lang="en-US"/>
           </a:p>
@@ -1838,7 +1838,7 @@
           <a:p>
             <a:fld id="{5B3AD1D6-AE87-C841-B3FD-7C9F7FCAE5AE}" type="datetimeFigureOut">
               <a:rPr lang="en-US" smtClean="0"/>
-              <a:t>12/4/19</a:t>
+              <a:t>12/5/19</a:t>
             </a:fld>
             <a:endParaRPr lang="en-US"/>
           </a:p>
@@ -2115,7 +2115,7 @@
           <a:p>
             <a:fld id="{5B3AD1D6-AE87-C841-B3FD-7C9F7FCAE5AE}" type="datetimeFigureOut">
               <a:rPr lang="en-US" smtClean="0"/>
-              <a:t>12/4/19</a:t>
+              <a:t>12/5/19</a:t>
             </a:fld>
             <a:endParaRPr lang="en-US"/>
           </a:p>
@@ -2368,7 +2368,7 @@
           <a:p>
             <a:fld id="{5B3AD1D6-AE87-C841-B3FD-7C9F7FCAE5AE}" type="datetimeFigureOut">
               <a:rPr lang="en-US" smtClean="0"/>
-              <a:t>12/4/19</a:t>
+              <a:t>12/5/19</a:t>
             </a:fld>
             <a:endParaRPr lang="en-US"/>
           </a:p>
@@ -2581,7 +2581,7 @@
           <a:p>
             <a:fld id="{5B3AD1D6-AE87-C841-B3FD-7C9F7FCAE5AE}" type="datetimeFigureOut">
               <a:rPr lang="en-US" smtClean="0"/>
-              <a:t>12/4/19</a:t>
+              <a:t>12/5/19</a:t>
             </a:fld>
             <a:endParaRPr lang="en-US"/>
           </a:p>
